--- a/man-figures/functions.pptx
+++ b/man-figures/functions.pptx
@@ -7,6 +7,8 @@
   <p:sldIdLst>
     <p:sldId id="256" r:id="rId2"/>
     <p:sldId id="257" r:id="rId3"/>
+    <p:sldId id="258" r:id="rId4"/>
+    <p:sldId id="259" r:id="rId5"/>
   </p:sldIdLst>
   <p:sldSz cx="12192000" cy="6858000"/>
   <p:notesSz cx="6858000" cy="9144000"/>
@@ -262,7 +264,7 @@
           <a:p>
             <a:fld id="{9C55CF95-040D-2043-BA3A-4BC4E88FAD54}" type="datetimeFigureOut">
               <a:rPr lang="en-US" smtClean="0"/>
-              <a:t>10/23/23</a:t>
+              <a:t>11/22/23</a:t>
             </a:fld>
             <a:endParaRPr lang="en-US"/>
           </a:p>
@@ -462,7 +464,7 @@
           <a:p>
             <a:fld id="{9C55CF95-040D-2043-BA3A-4BC4E88FAD54}" type="datetimeFigureOut">
               <a:rPr lang="en-US" smtClean="0"/>
-              <a:t>10/23/23</a:t>
+              <a:t>11/22/23</a:t>
             </a:fld>
             <a:endParaRPr lang="en-US"/>
           </a:p>
@@ -672,7 +674,7 @@
           <a:p>
             <a:fld id="{9C55CF95-040D-2043-BA3A-4BC4E88FAD54}" type="datetimeFigureOut">
               <a:rPr lang="en-US" smtClean="0"/>
-              <a:t>10/23/23</a:t>
+              <a:t>11/22/23</a:t>
             </a:fld>
             <a:endParaRPr lang="en-US"/>
           </a:p>
@@ -872,7 +874,7 @@
           <a:p>
             <a:fld id="{9C55CF95-040D-2043-BA3A-4BC4E88FAD54}" type="datetimeFigureOut">
               <a:rPr lang="en-US" smtClean="0"/>
-              <a:t>10/23/23</a:t>
+              <a:t>11/22/23</a:t>
             </a:fld>
             <a:endParaRPr lang="en-US"/>
           </a:p>
@@ -1148,7 +1150,7 @@
           <a:p>
             <a:fld id="{9C55CF95-040D-2043-BA3A-4BC4E88FAD54}" type="datetimeFigureOut">
               <a:rPr lang="en-US" smtClean="0"/>
-              <a:t>10/23/23</a:t>
+              <a:t>11/22/23</a:t>
             </a:fld>
             <a:endParaRPr lang="en-US"/>
           </a:p>
@@ -1416,7 +1418,7 @@
           <a:p>
             <a:fld id="{9C55CF95-040D-2043-BA3A-4BC4E88FAD54}" type="datetimeFigureOut">
               <a:rPr lang="en-US" smtClean="0"/>
-              <a:t>10/23/23</a:t>
+              <a:t>11/22/23</a:t>
             </a:fld>
             <a:endParaRPr lang="en-US"/>
           </a:p>
@@ -1831,7 +1833,7 @@
           <a:p>
             <a:fld id="{9C55CF95-040D-2043-BA3A-4BC4E88FAD54}" type="datetimeFigureOut">
               <a:rPr lang="en-US" smtClean="0"/>
-              <a:t>10/23/23</a:t>
+              <a:t>11/22/23</a:t>
             </a:fld>
             <a:endParaRPr lang="en-US"/>
           </a:p>
@@ -1973,7 +1975,7 @@
           <a:p>
             <a:fld id="{9C55CF95-040D-2043-BA3A-4BC4E88FAD54}" type="datetimeFigureOut">
               <a:rPr lang="en-US" smtClean="0"/>
-              <a:t>10/23/23</a:t>
+              <a:t>11/22/23</a:t>
             </a:fld>
             <a:endParaRPr lang="en-US"/>
           </a:p>
@@ -2086,7 +2088,7 @@
           <a:p>
             <a:fld id="{9C55CF95-040D-2043-BA3A-4BC4E88FAD54}" type="datetimeFigureOut">
               <a:rPr lang="en-US" smtClean="0"/>
-              <a:t>10/23/23</a:t>
+              <a:t>11/22/23</a:t>
             </a:fld>
             <a:endParaRPr lang="en-US"/>
           </a:p>
@@ -2399,7 +2401,7 @@
           <a:p>
             <a:fld id="{9C55CF95-040D-2043-BA3A-4BC4E88FAD54}" type="datetimeFigureOut">
               <a:rPr lang="en-US" smtClean="0"/>
-              <a:t>10/23/23</a:t>
+              <a:t>11/22/23</a:t>
             </a:fld>
             <a:endParaRPr lang="en-US"/>
           </a:p>
@@ -2688,7 +2690,7 @@
           <a:p>
             <a:fld id="{9C55CF95-040D-2043-BA3A-4BC4E88FAD54}" type="datetimeFigureOut">
               <a:rPr lang="en-US" smtClean="0"/>
-              <a:t>10/23/23</a:t>
+              <a:t>11/22/23</a:t>
             </a:fld>
             <a:endParaRPr lang="en-US"/>
           </a:p>
@@ -2931,7 +2933,7 @@
           <a:p>
             <a:fld id="{9C55CF95-040D-2043-BA3A-4BC4E88FAD54}" type="datetimeFigureOut">
               <a:rPr lang="en-US" smtClean="0"/>
-              <a:t>10/23/23</a:t>
+              <a:t>11/22/23</a:t>
             </a:fld>
             <a:endParaRPr lang="en-US"/>
           </a:p>
@@ -3618,8 +3620,8 @@
           </a:prstGeom>
         </p:spPr>
       </p:pic>
-      <mc:AlternateContent xmlns:mc="http://schemas.openxmlformats.org/markup-compatibility/2006">
-        <mc:Choice xmlns:a14="http://schemas.microsoft.com/office/drawing/2010/main" Requires="a14">
+      <mc:AlternateContent xmlns:mc="http://schemas.openxmlformats.org/markup-compatibility/2006" xmlns:a14="http://schemas.microsoft.com/office/drawing/2010/main">
+        <mc:Choice Requires="a14">
           <p:sp>
             <p:nvSpPr>
               <p:cNvPr id="4" name="TextBox 3">
@@ -3648,6 +3650,7 @@
               </a:bodyPr>
               <a:lstStyle/>
               <a:p>
+                <a:pPr/>
                 <a14:m>
                   <m:oMathPara xmlns:m="http://schemas.openxmlformats.org/officeDocument/2006/math">
                     <m:oMathParaPr>
@@ -3690,7 +3693,7 @@
             </p:txBody>
           </p:sp>
         </mc:Choice>
-        <mc:Fallback>
+        <mc:Fallback xmlns="">
           <p:sp>
             <p:nvSpPr>
               <p:cNvPr id="4" name="TextBox 3">
@@ -3765,8 +3768,8 @@
           </a:prstGeom>
         </p:spPr>
       </p:pic>
-      <mc:AlternateContent xmlns:mc="http://schemas.openxmlformats.org/markup-compatibility/2006">
-        <mc:Choice xmlns:a14="http://schemas.microsoft.com/office/drawing/2010/main" Requires="a14">
+      <mc:AlternateContent xmlns:mc="http://schemas.openxmlformats.org/markup-compatibility/2006" xmlns:a14="http://schemas.microsoft.com/office/drawing/2010/main">
+        <mc:Choice Requires="a14">
           <p:sp>
             <p:nvSpPr>
               <p:cNvPr id="10" name="TextBox 9">
@@ -3795,6 +3798,7 @@
               </a:bodyPr>
               <a:lstStyle/>
               <a:p>
+                <a:pPr/>
                 <a14:m>
                   <m:oMathPara xmlns:m="http://schemas.openxmlformats.org/officeDocument/2006/math">
                     <m:oMathParaPr>
@@ -3837,7 +3841,7 @@
             </p:txBody>
           </p:sp>
         </mc:Choice>
-        <mc:Fallback>
+        <mc:Fallback xmlns="">
           <p:sp>
             <p:nvSpPr>
               <p:cNvPr id="10" name="TextBox 9">
@@ -3912,8 +3916,8 @@
           </a:prstGeom>
         </p:spPr>
       </p:pic>
-      <mc:AlternateContent xmlns:mc="http://schemas.openxmlformats.org/markup-compatibility/2006">
-        <mc:Choice xmlns:a14="http://schemas.microsoft.com/office/drawing/2010/main" Requires="a14">
+      <mc:AlternateContent xmlns:mc="http://schemas.openxmlformats.org/markup-compatibility/2006" xmlns:a14="http://schemas.microsoft.com/office/drawing/2010/main">
+        <mc:Choice Requires="a14">
           <p:sp>
             <p:nvSpPr>
               <p:cNvPr id="16" name="TextBox 15">
@@ -3942,6 +3946,7 @@
               </a:bodyPr>
               <a:lstStyle/>
               <a:p>
+                <a:pPr/>
                 <a14:m>
                   <m:oMathPara xmlns:m="http://schemas.openxmlformats.org/officeDocument/2006/math">
                     <m:oMathParaPr>
@@ -3984,7 +3989,7 @@
             </p:txBody>
           </p:sp>
         </mc:Choice>
-        <mc:Fallback>
+        <mc:Fallback xmlns="">
           <p:sp>
             <p:nvSpPr>
               <p:cNvPr id="16" name="TextBox 15">
@@ -4033,6 +4038,745 @@
     <p:extLst>
       <p:ext uri="{BB962C8B-B14F-4D97-AF65-F5344CB8AC3E}">
         <p14:creationId xmlns:p14="http://schemas.microsoft.com/office/powerpoint/2010/main" val="4164414542"/>
+      </p:ext>
+    </p:extLst>
+  </p:cSld>
+  <p:clrMapOvr>
+    <a:masterClrMapping/>
+  </p:clrMapOvr>
+</p:sld>
+</file>
+
+<file path=ppt/slides/slide3.xml><?xml version="1.0" encoding="utf-8"?>
+<p:sld xmlns:a="http://schemas.openxmlformats.org/drawingml/2006/main" xmlns:r="http://schemas.openxmlformats.org/officeDocument/2006/relationships" xmlns:p="http://schemas.openxmlformats.org/presentationml/2006/main">
+  <p:cSld>
+    <p:spTree>
+      <p:nvGrpSpPr>
+        <p:cNvPr id="1" name=""/>
+        <p:cNvGrpSpPr/>
+        <p:nvPr/>
+      </p:nvGrpSpPr>
+      <p:grpSpPr>
+        <a:xfrm>
+          <a:off x="0" y="0"/>
+          <a:ext cx="0" cy="0"/>
+          <a:chOff x="0" y="0"/>
+          <a:chExt cx="0" cy="0"/>
+        </a:xfrm>
+      </p:grpSpPr>
+      <mc:AlternateContent xmlns:mc="http://schemas.openxmlformats.org/markup-compatibility/2006" xmlns:a14="http://schemas.microsoft.com/office/drawing/2010/main">
+        <mc:Choice Requires="a14">
+          <p:sp>
+            <p:nvSpPr>
+              <p:cNvPr id="4" name="TextBox 3">
+                <a:extLst>
+                  <a:ext uri="{FF2B5EF4-FFF2-40B4-BE49-F238E27FC236}">
+                    <a16:creationId xmlns:a16="http://schemas.microsoft.com/office/drawing/2014/main" id="{6F369CF0-64B2-507F-4C29-662EAF8650A7}"/>
+                  </a:ext>
+                </a:extLst>
+              </p:cNvPr>
+              <p:cNvSpPr txBox="1"/>
+              <p:nvPr/>
+            </p:nvSpPr>
+            <p:spPr>
+              <a:xfrm>
+                <a:off x="4979657" y="211978"/>
+                <a:ext cx="2217338" cy="276999"/>
+              </a:xfrm>
+              <a:prstGeom prst="rect">
+                <a:avLst/>
+              </a:prstGeom>
+              <a:noFill/>
+            </p:spPr>
+            <p:txBody>
+              <a:bodyPr wrap="none" lIns="0" tIns="0" rIns="0" bIns="0" rtlCol="0">
+                <a:spAutoFit/>
+              </a:bodyPr>
+              <a:lstStyle/>
+              <a:p>
+                <a:pPr/>
+                <a14:m>
+                  <m:oMathPara xmlns:m="http://schemas.openxmlformats.org/officeDocument/2006/math">
+                    <m:oMathParaPr>
+                      <m:jc m:val="centerGroup"/>
+                    </m:oMathParaPr>
+                    <m:oMath xmlns:m="http://schemas.openxmlformats.org/officeDocument/2006/math">
+                      <m:r>
+                        <a:rPr lang="en-US" i="1" smtClean="0">
+                          <a:latin typeface="Cambria Math" panose="02040503050406030204" pitchFamily="18" charset="0"/>
+                          <a:ea typeface="Cambria Math" panose="02040503050406030204" pitchFamily="18" charset="0"/>
+                        </a:rPr>
+                        <m:t>𝜏</m:t>
+                      </m:r>
+                      <m:r>
+                        <a:rPr lang="en-AU" b="0" i="1" smtClean="0">
+                          <a:latin typeface="Cambria Math" panose="02040503050406030204" pitchFamily="18" charset="0"/>
+                          <a:ea typeface="Cambria Math" panose="02040503050406030204" pitchFamily="18" charset="0"/>
+                        </a:rPr>
+                        <m:t>=25.034,</m:t>
+                      </m:r>
+                      <m:r>
+                        <m:rPr>
+                          <m:nor/>
+                        </m:rPr>
+                        <a:rPr lang="el-GR"/>
+                        <m:t>η</m:t>
+                      </m:r>
+                      <m:r>
+                        <a:rPr lang="en-AU" b="0" i="1" smtClean="0">
+                          <a:latin typeface="Cambria Math" panose="02040503050406030204" pitchFamily="18" charset="0"/>
+                          <a:ea typeface="Cambria Math" panose="02040503050406030204" pitchFamily="18" charset="0"/>
+                        </a:rPr>
+                        <m:t>=0.014</m:t>
+                      </m:r>
+                    </m:oMath>
+                  </m:oMathPara>
+                </a14:m>
+                <a:endParaRPr lang="en-US" dirty="0"/>
+              </a:p>
+            </p:txBody>
+          </p:sp>
+        </mc:Choice>
+        <mc:Fallback xmlns="">
+          <p:sp>
+            <p:nvSpPr>
+              <p:cNvPr id="4" name="TextBox 3">
+                <a:extLst>
+                  <a:ext uri="{FF2B5EF4-FFF2-40B4-BE49-F238E27FC236}">
+                    <a16:creationId xmlns:a16="http://schemas.microsoft.com/office/drawing/2014/main" id="{6F369CF0-64B2-507F-4C29-662EAF8650A7}"/>
+                  </a:ext>
+                </a:extLst>
+              </p:cNvPr>
+              <p:cNvSpPr txBox="1">
+                <a:spLocks noRot="1" noChangeAspect="1" noMove="1" noResize="1" noEditPoints="1" noAdjustHandles="1" noChangeArrowheads="1" noChangeShapeType="1" noTextEdit="1"/>
+              </p:cNvSpPr>
+              <p:nvPr/>
+            </p:nvSpPr>
+            <p:spPr>
+              <a:xfrm>
+                <a:off x="4979657" y="211978"/>
+                <a:ext cx="2217338" cy="276999"/>
+              </a:xfrm>
+              <a:prstGeom prst="rect">
+                <a:avLst/>
+              </a:prstGeom>
+              <a:blipFill>
+                <a:blip r:embed="rId2"/>
+                <a:stretch>
+                  <a:fillRect l="-1143" r="-2286" b="-17391"/>
+                </a:stretch>
+              </a:blipFill>
+            </p:spPr>
+            <p:txBody>
+              <a:bodyPr/>
+              <a:lstStyle/>
+              <a:p>
+                <a:r>
+                  <a:rPr lang="en-US">
+                    <a:noFill/>
+                  </a:rPr>
+                  <a:t> </a:t>
+                </a:r>
+              </a:p>
+            </p:txBody>
+          </p:sp>
+        </mc:Fallback>
+      </mc:AlternateContent>
+      <mc:AlternateContent xmlns:mc="http://schemas.openxmlformats.org/markup-compatibility/2006" xmlns:a14="http://schemas.microsoft.com/office/drawing/2010/main">
+        <mc:Choice Requires="a14">
+          <p:sp>
+            <p:nvSpPr>
+              <p:cNvPr id="10" name="TextBox 9">
+                <a:extLst>
+                  <a:ext uri="{FF2B5EF4-FFF2-40B4-BE49-F238E27FC236}">
+                    <a16:creationId xmlns:a16="http://schemas.microsoft.com/office/drawing/2014/main" id="{2DE9FEE3-62C1-7332-81D4-F35F327D6260}"/>
+                  </a:ext>
+                </a:extLst>
+              </p:cNvPr>
+              <p:cNvSpPr txBox="1"/>
+              <p:nvPr/>
+            </p:nvSpPr>
+            <p:spPr>
+              <a:xfrm>
+                <a:off x="978796" y="223720"/>
+                <a:ext cx="2098460" cy="276999"/>
+              </a:xfrm>
+              <a:prstGeom prst="rect">
+                <a:avLst/>
+              </a:prstGeom>
+              <a:noFill/>
+            </p:spPr>
+            <p:txBody>
+              <a:bodyPr wrap="none" lIns="0" tIns="0" rIns="0" bIns="0" rtlCol="0">
+                <a:spAutoFit/>
+              </a:bodyPr>
+              <a:lstStyle/>
+              <a:p>
+                <a:pPr/>
+                <a14:m>
+                  <m:oMathPara xmlns:m="http://schemas.openxmlformats.org/officeDocument/2006/math">
+                    <m:oMathParaPr>
+                      <m:jc m:val="centerGroup"/>
+                    </m:oMathParaPr>
+                    <m:oMath xmlns:m="http://schemas.openxmlformats.org/officeDocument/2006/math">
+                      <m:r>
+                        <a:rPr lang="en-US" i="1" smtClean="0">
+                          <a:latin typeface="Cambria Math" panose="02040503050406030204" pitchFamily="18" charset="0"/>
+                          <a:ea typeface="Cambria Math" panose="02040503050406030204" pitchFamily="18" charset="0"/>
+                        </a:rPr>
+                        <m:t>𝜏</m:t>
+                      </m:r>
+                      <m:r>
+                        <a:rPr lang="en-AU" b="0" i="1" smtClean="0">
+                          <a:latin typeface="Cambria Math" panose="02040503050406030204" pitchFamily="18" charset="0"/>
+                          <a:ea typeface="Cambria Math" panose="02040503050406030204" pitchFamily="18" charset="0"/>
+                        </a:rPr>
+                        <m:t>=21.67,</m:t>
+                      </m:r>
+                      <m:r>
+                        <m:rPr>
+                          <m:nor/>
+                        </m:rPr>
+                        <a:rPr lang="el-GR"/>
+                        <m:t>η</m:t>
+                      </m:r>
+                      <m:r>
+                        <a:rPr lang="en-AU" b="0" i="1" smtClean="0">
+                          <a:latin typeface="Cambria Math" panose="02040503050406030204" pitchFamily="18" charset="0"/>
+                          <a:ea typeface="Cambria Math" panose="02040503050406030204" pitchFamily="18" charset="0"/>
+                        </a:rPr>
+                        <m:t>=0.049</m:t>
+                      </m:r>
+                    </m:oMath>
+                  </m:oMathPara>
+                </a14:m>
+                <a:endParaRPr lang="en-US" dirty="0"/>
+              </a:p>
+            </p:txBody>
+          </p:sp>
+        </mc:Choice>
+        <mc:Fallback xmlns="">
+          <p:sp>
+            <p:nvSpPr>
+              <p:cNvPr id="10" name="TextBox 9">
+                <a:extLst>
+                  <a:ext uri="{FF2B5EF4-FFF2-40B4-BE49-F238E27FC236}">
+                    <a16:creationId xmlns:a16="http://schemas.microsoft.com/office/drawing/2014/main" id="{2DE9FEE3-62C1-7332-81D4-F35F327D6260}"/>
+                  </a:ext>
+                </a:extLst>
+              </p:cNvPr>
+              <p:cNvSpPr txBox="1">
+                <a:spLocks noRot="1" noChangeAspect="1" noMove="1" noResize="1" noEditPoints="1" noAdjustHandles="1" noChangeArrowheads="1" noChangeShapeType="1" noTextEdit="1"/>
+              </p:cNvSpPr>
+              <p:nvPr/>
+            </p:nvSpPr>
+            <p:spPr>
+              <a:xfrm>
+                <a:off x="978796" y="223720"/>
+                <a:ext cx="2098460" cy="276999"/>
+              </a:xfrm>
+              <a:prstGeom prst="rect">
+                <a:avLst/>
+              </a:prstGeom>
+              <a:blipFill>
+                <a:blip r:embed="rId3"/>
+                <a:stretch>
+                  <a:fillRect l="-1205" r="-1807" b="-17391"/>
+                </a:stretch>
+              </a:blipFill>
+            </p:spPr>
+            <p:txBody>
+              <a:bodyPr/>
+              <a:lstStyle/>
+              <a:p>
+                <a:r>
+                  <a:rPr lang="en-US">
+                    <a:noFill/>
+                  </a:rPr>
+                  <a:t> </a:t>
+                </a:r>
+              </a:p>
+            </p:txBody>
+          </p:sp>
+        </mc:Fallback>
+      </mc:AlternateContent>
+      <p:sp>
+        <p:nvSpPr>
+          <p:cNvPr id="5" name="TextBox 4">
+            <a:extLst>
+              <a:ext uri="{FF2B5EF4-FFF2-40B4-BE49-F238E27FC236}">
+                <a16:creationId xmlns:a16="http://schemas.microsoft.com/office/drawing/2014/main" id="{8ADE9786-B486-B921-40DC-C8D56670A3FA}"/>
+              </a:ext>
+            </a:extLst>
+          </p:cNvPr>
+          <p:cNvSpPr txBox="1"/>
+          <p:nvPr/>
+        </p:nvSpPr>
+        <p:spPr>
+          <a:xfrm>
+            <a:off x="1206492" y="3090434"/>
+            <a:ext cx="1915839" cy="369332"/>
+          </a:xfrm>
+          <a:prstGeom prst="rect">
+            <a:avLst/>
+          </a:prstGeom>
+          <a:noFill/>
+        </p:spPr>
+        <p:txBody>
+          <a:bodyPr wrap="square" rtlCol="0">
+            <a:spAutoFit/>
+          </a:bodyPr>
+          <a:lstStyle/>
+          <a:p>
+            <a:r>
+              <a:rPr lang="en-US" b="1" dirty="0">
+                <a:latin typeface="Arial" panose="020B0604020202020204" pitchFamily="34" charset="0"/>
+                <a:cs typeface="Arial" panose="020B0604020202020204" pitchFamily="34" charset="0"/>
+              </a:rPr>
+              <a:t>Participant 5</a:t>
+            </a:r>
+          </a:p>
+        </p:txBody>
+      </p:sp>
+      <p:sp>
+        <p:nvSpPr>
+          <p:cNvPr id="6" name="TextBox 5">
+            <a:extLst>
+              <a:ext uri="{FF2B5EF4-FFF2-40B4-BE49-F238E27FC236}">
+                <a16:creationId xmlns:a16="http://schemas.microsoft.com/office/drawing/2014/main" id="{200C11AD-66C3-123C-A21C-15D029A9D6EF}"/>
+              </a:ext>
+            </a:extLst>
+          </p:cNvPr>
+          <p:cNvSpPr txBox="1"/>
+          <p:nvPr/>
+        </p:nvSpPr>
+        <p:spPr>
+          <a:xfrm>
+            <a:off x="672429" y="3367431"/>
+            <a:ext cx="3280560" cy="369332"/>
+          </a:xfrm>
+          <a:prstGeom prst="rect">
+            <a:avLst/>
+          </a:prstGeom>
+          <a:noFill/>
+        </p:spPr>
+        <p:txBody>
+          <a:bodyPr wrap="square" rtlCol="0">
+            <a:spAutoFit/>
+          </a:bodyPr>
+          <a:lstStyle/>
+          <a:p>
+            <a:r>
+              <a:rPr lang="en-US" dirty="0">
+                <a:latin typeface="Arial" panose="020B0604020202020204" pitchFamily="34" charset="0"/>
+                <a:cs typeface="Arial" panose="020B0604020202020204" pitchFamily="34" charset="0"/>
+              </a:rPr>
+              <a:t>Estimated as exponential</a:t>
+            </a:r>
+          </a:p>
+        </p:txBody>
+      </p:sp>
+      <p:sp>
+        <p:nvSpPr>
+          <p:cNvPr id="14" name="TextBox 13">
+            <a:extLst>
+              <a:ext uri="{FF2B5EF4-FFF2-40B4-BE49-F238E27FC236}">
+                <a16:creationId xmlns:a16="http://schemas.microsoft.com/office/drawing/2014/main" id="{8947928D-FE8F-1266-76D3-356E59BAAE09}"/>
+              </a:ext>
+            </a:extLst>
+          </p:cNvPr>
+          <p:cNvSpPr txBox="1"/>
+          <p:nvPr/>
+        </p:nvSpPr>
+        <p:spPr>
+          <a:xfrm>
+            <a:off x="5281682" y="3094115"/>
+            <a:ext cx="1915839" cy="369332"/>
+          </a:xfrm>
+          <a:prstGeom prst="rect">
+            <a:avLst/>
+          </a:prstGeom>
+          <a:noFill/>
+        </p:spPr>
+        <p:txBody>
+          <a:bodyPr wrap="square" rtlCol="0">
+            <a:spAutoFit/>
+          </a:bodyPr>
+          <a:lstStyle/>
+          <a:p>
+            <a:r>
+              <a:rPr lang="en-US" b="1" dirty="0">
+                <a:latin typeface="Arial" panose="020B0604020202020204" pitchFamily="34" charset="0"/>
+                <a:cs typeface="Arial" panose="020B0604020202020204" pitchFamily="34" charset="0"/>
+              </a:rPr>
+              <a:t>Participant 96</a:t>
+            </a:r>
+          </a:p>
+        </p:txBody>
+      </p:sp>
+      <p:sp>
+        <p:nvSpPr>
+          <p:cNvPr id="17" name="TextBox 16">
+            <a:extLst>
+              <a:ext uri="{FF2B5EF4-FFF2-40B4-BE49-F238E27FC236}">
+                <a16:creationId xmlns:a16="http://schemas.microsoft.com/office/drawing/2014/main" id="{60D8678B-AF34-62BA-8385-F93991EF0315}"/>
+              </a:ext>
+            </a:extLst>
+          </p:cNvPr>
+          <p:cNvSpPr txBox="1"/>
+          <p:nvPr/>
+        </p:nvSpPr>
+        <p:spPr>
+          <a:xfrm>
+            <a:off x="4305487" y="3365358"/>
+            <a:ext cx="3868228" cy="369332"/>
+          </a:xfrm>
+          <a:prstGeom prst="rect">
+            <a:avLst/>
+          </a:prstGeom>
+          <a:noFill/>
+        </p:spPr>
+        <p:txBody>
+          <a:bodyPr wrap="square" rtlCol="0">
+            <a:spAutoFit/>
+          </a:bodyPr>
+          <a:lstStyle/>
+          <a:p>
+            <a:r>
+              <a:rPr lang="en-US" dirty="0">
+                <a:latin typeface="Arial" panose="020B0604020202020204" pitchFamily="34" charset="0"/>
+                <a:cs typeface="Arial" panose="020B0604020202020204" pitchFamily="34" charset="0"/>
+              </a:rPr>
+              <a:t>Estimated as delayed exponential</a:t>
+            </a:r>
+          </a:p>
+        </p:txBody>
+      </p:sp>
+      <p:pic>
+        <p:nvPicPr>
+          <p:cNvPr id="19" name="Picture 18" descr="A graph with a line&#10;&#10;Description automatically generated">
+            <a:extLst>
+              <a:ext uri="{FF2B5EF4-FFF2-40B4-BE49-F238E27FC236}">
+                <a16:creationId xmlns:a16="http://schemas.microsoft.com/office/drawing/2014/main" id="{FF65A61D-E79B-5A3A-030C-32D0AC546CC7}"/>
+              </a:ext>
+            </a:extLst>
+          </p:cNvPr>
+          <p:cNvPicPr>
+            <a:picLocks noChangeAspect="1"/>
+          </p:cNvPicPr>
+          <p:nvPr/>
+        </p:nvPicPr>
+        <p:blipFill rotWithShape="1">
+          <a:blip r:embed="rId4"/>
+          <a:srcRect l="2488" t="7009" b="7217"/>
+          <a:stretch/>
+        </p:blipFill>
+        <p:spPr>
+          <a:xfrm>
+            <a:off x="8073634" y="500719"/>
+            <a:ext cx="3664048" cy="2617340"/>
+          </a:xfrm>
+          <a:prstGeom prst="rect">
+            <a:avLst/>
+          </a:prstGeom>
+        </p:spPr>
+      </p:pic>
+      <mc:AlternateContent xmlns:mc="http://schemas.openxmlformats.org/markup-compatibility/2006" xmlns:a14="http://schemas.microsoft.com/office/drawing/2010/main">
+        <mc:Choice Requires="a14">
+          <p:sp>
+            <p:nvSpPr>
+              <p:cNvPr id="20" name="TextBox 19">
+                <a:extLst>
+                  <a:ext uri="{FF2B5EF4-FFF2-40B4-BE49-F238E27FC236}">
+                    <a16:creationId xmlns:a16="http://schemas.microsoft.com/office/drawing/2014/main" id="{EC200384-3342-C2CE-93FC-926A01B19947}"/>
+                  </a:ext>
+                </a:extLst>
+              </p:cNvPr>
+              <p:cNvSpPr txBox="1"/>
+              <p:nvPr/>
+            </p:nvSpPr>
+            <p:spPr>
+              <a:xfrm>
+                <a:off x="8587366" y="224156"/>
+                <a:ext cx="2149755" cy="276999"/>
+              </a:xfrm>
+              <a:prstGeom prst="rect">
+                <a:avLst/>
+              </a:prstGeom>
+              <a:noFill/>
+            </p:spPr>
+            <p:txBody>
+              <a:bodyPr wrap="none" lIns="0" tIns="0" rIns="0" bIns="0" rtlCol="0">
+                <a:spAutoFit/>
+              </a:bodyPr>
+              <a:lstStyle/>
+              <a:p>
+                <a:pPr/>
+                <a14:m>
+                  <m:oMathPara xmlns:m="http://schemas.openxmlformats.org/officeDocument/2006/math">
+                    <m:oMathParaPr>
+                      <m:jc m:val="centerGroup"/>
+                    </m:oMathParaPr>
+                    <m:oMath xmlns:m="http://schemas.openxmlformats.org/officeDocument/2006/math">
+                      <m:r>
+                        <a:rPr lang="en-US" i="1" smtClean="0">
+                          <a:latin typeface="Cambria Math" panose="02040503050406030204" pitchFamily="18" charset="0"/>
+                          <a:ea typeface="Cambria Math" panose="02040503050406030204" pitchFamily="18" charset="0"/>
+                        </a:rPr>
+                        <m:t>𝜏</m:t>
+                      </m:r>
+                      <m:r>
+                        <a:rPr lang="en-AU" b="0" i="1" smtClean="0">
+                          <a:latin typeface="Cambria Math" panose="02040503050406030204" pitchFamily="18" charset="0"/>
+                          <a:ea typeface="Cambria Math" panose="02040503050406030204" pitchFamily="18" charset="0"/>
+                        </a:rPr>
+                        <m:t>=13.43,</m:t>
+                      </m:r>
+                      <m:r>
+                        <m:rPr>
+                          <m:nor/>
+                        </m:rPr>
+                        <a:rPr lang="en-AU" b="0" i="0" smtClean="0">
+                          <a:latin typeface="Cambria Math" panose="02040503050406030204" pitchFamily="18" charset="0"/>
+                          <a:ea typeface="Cambria Math" panose="02040503050406030204" pitchFamily="18" charset="0"/>
+                        </a:rPr>
+                        <m:t> </m:t>
+                      </m:r>
+                      <m:r>
+                        <m:rPr>
+                          <m:nor/>
+                        </m:rPr>
+                        <a:rPr lang="el-GR"/>
+                        <m:t>η</m:t>
+                      </m:r>
+                      <m:r>
+                        <a:rPr lang="en-AU" b="0" i="1" smtClean="0">
+                          <a:latin typeface="Cambria Math" panose="02040503050406030204" pitchFamily="18" charset="0"/>
+                          <a:ea typeface="Cambria Math" panose="02040503050406030204" pitchFamily="18" charset="0"/>
+                        </a:rPr>
+                        <m:t>=0.001</m:t>
+                      </m:r>
+                    </m:oMath>
+                  </m:oMathPara>
+                </a14:m>
+                <a:endParaRPr lang="en-US" dirty="0"/>
+              </a:p>
+            </p:txBody>
+          </p:sp>
+        </mc:Choice>
+        <mc:Fallback xmlns="">
+          <p:sp>
+            <p:nvSpPr>
+              <p:cNvPr id="20" name="TextBox 19">
+                <a:extLst>
+                  <a:ext uri="{FF2B5EF4-FFF2-40B4-BE49-F238E27FC236}">
+                    <a16:creationId xmlns:a16="http://schemas.microsoft.com/office/drawing/2014/main" id="{EC200384-3342-C2CE-93FC-926A01B19947}"/>
+                  </a:ext>
+                </a:extLst>
+              </p:cNvPr>
+              <p:cNvSpPr txBox="1">
+                <a:spLocks noRot="1" noChangeAspect="1" noMove="1" noResize="1" noEditPoints="1" noAdjustHandles="1" noChangeArrowheads="1" noChangeShapeType="1" noTextEdit="1"/>
+              </p:cNvSpPr>
+              <p:nvPr/>
+            </p:nvSpPr>
+            <p:spPr>
+              <a:xfrm>
+                <a:off x="8587366" y="224156"/>
+                <a:ext cx="2149755" cy="276999"/>
+              </a:xfrm>
+              <a:prstGeom prst="rect">
+                <a:avLst/>
+              </a:prstGeom>
+              <a:blipFill>
+                <a:blip r:embed="rId5"/>
+                <a:stretch>
+                  <a:fillRect l="-1176" t="-8696" r="-1765" b="-34783"/>
+                </a:stretch>
+              </a:blipFill>
+            </p:spPr>
+            <p:txBody>
+              <a:bodyPr/>
+              <a:lstStyle/>
+              <a:p>
+                <a:r>
+                  <a:rPr lang="en-US">
+                    <a:noFill/>
+                  </a:rPr>
+                  <a:t> </a:t>
+                </a:r>
+              </a:p>
+            </p:txBody>
+          </p:sp>
+        </mc:Fallback>
+      </mc:AlternateContent>
+      <p:sp>
+        <p:nvSpPr>
+          <p:cNvPr id="21" name="TextBox 20">
+            <a:extLst>
+              <a:ext uri="{FF2B5EF4-FFF2-40B4-BE49-F238E27FC236}">
+                <a16:creationId xmlns:a16="http://schemas.microsoft.com/office/drawing/2014/main" id="{2FB15553-E101-56E3-04CB-D521032503CA}"/>
+              </a:ext>
+            </a:extLst>
+          </p:cNvPr>
+          <p:cNvSpPr txBox="1"/>
+          <p:nvPr/>
+        </p:nvSpPr>
+        <p:spPr>
+          <a:xfrm>
+            <a:off x="9118305" y="3103705"/>
+            <a:ext cx="1915839" cy="369332"/>
+          </a:xfrm>
+          <a:prstGeom prst="rect">
+            <a:avLst/>
+          </a:prstGeom>
+          <a:noFill/>
+        </p:spPr>
+        <p:txBody>
+          <a:bodyPr wrap="square" rtlCol="0">
+            <a:spAutoFit/>
+          </a:bodyPr>
+          <a:lstStyle/>
+          <a:p>
+            <a:r>
+              <a:rPr lang="en-US" b="1" dirty="0">
+                <a:latin typeface="Arial" panose="020B0604020202020204" pitchFamily="34" charset="0"/>
+                <a:cs typeface="Arial" panose="020B0604020202020204" pitchFamily="34" charset="0"/>
+              </a:rPr>
+              <a:t>Participant 95</a:t>
+            </a:r>
+          </a:p>
+        </p:txBody>
+      </p:sp>
+      <p:sp>
+        <p:nvSpPr>
+          <p:cNvPr id="22" name="TextBox 21">
+            <a:extLst>
+              <a:ext uri="{FF2B5EF4-FFF2-40B4-BE49-F238E27FC236}">
+                <a16:creationId xmlns:a16="http://schemas.microsoft.com/office/drawing/2014/main" id="{10F5D2D5-D767-F59A-0436-FD3AE4EF8602}"/>
+              </a:ext>
+            </a:extLst>
+          </p:cNvPr>
+          <p:cNvSpPr txBox="1"/>
+          <p:nvPr/>
+        </p:nvSpPr>
+        <p:spPr>
+          <a:xfrm>
+            <a:off x="8921746" y="3408359"/>
+            <a:ext cx="2308955" cy="369332"/>
+          </a:xfrm>
+          <a:prstGeom prst="rect">
+            <a:avLst/>
+          </a:prstGeom>
+          <a:noFill/>
+        </p:spPr>
+        <p:txBody>
+          <a:bodyPr wrap="square" rtlCol="0">
+            <a:spAutoFit/>
+          </a:bodyPr>
+          <a:lstStyle/>
+          <a:p>
+            <a:r>
+              <a:rPr lang="en-US" dirty="0">
+                <a:latin typeface="Arial" panose="020B0604020202020204" pitchFamily="34" charset="0"/>
+                <a:cs typeface="Arial" panose="020B0604020202020204" pitchFamily="34" charset="0"/>
+              </a:rPr>
+              <a:t>Estimated as linear</a:t>
+            </a:r>
+          </a:p>
+        </p:txBody>
+      </p:sp>
+      <p:pic>
+        <p:nvPicPr>
+          <p:cNvPr id="24" name="Picture 23" descr="A graph with a line&#10;&#10;Description automatically generated">
+            <a:extLst>
+              <a:ext uri="{FF2B5EF4-FFF2-40B4-BE49-F238E27FC236}">
+                <a16:creationId xmlns:a16="http://schemas.microsoft.com/office/drawing/2014/main" id="{47621420-82F8-1B48-5D47-98DD21E7D566}"/>
+              </a:ext>
+            </a:extLst>
+          </p:cNvPr>
+          <p:cNvPicPr>
+            <a:picLocks noChangeAspect="1"/>
+          </p:cNvPicPr>
+          <p:nvPr/>
+        </p:nvPicPr>
+        <p:blipFill rotWithShape="1">
+          <a:blip r:embed="rId6"/>
+          <a:srcRect l="4590" t="10400" b="7449"/>
+          <a:stretch/>
+        </p:blipFill>
+        <p:spPr>
+          <a:xfrm>
+            <a:off x="4107303" y="456682"/>
+            <a:ext cx="3613833" cy="2563114"/>
+          </a:xfrm>
+          <a:prstGeom prst="rect">
+            <a:avLst/>
+          </a:prstGeom>
+        </p:spPr>
+      </p:pic>
+      <p:pic>
+        <p:nvPicPr>
+          <p:cNvPr id="26" name="Picture 25" descr="A graph of a function&#10;&#10;Description automatically generated">
+            <a:extLst>
+              <a:ext uri="{FF2B5EF4-FFF2-40B4-BE49-F238E27FC236}">
+                <a16:creationId xmlns:a16="http://schemas.microsoft.com/office/drawing/2014/main" id="{A987C481-A90A-A324-AE80-1BA39B54CE7F}"/>
+              </a:ext>
+            </a:extLst>
+          </p:cNvPr>
+          <p:cNvPicPr>
+            <a:picLocks noChangeAspect="1"/>
+          </p:cNvPicPr>
+          <p:nvPr/>
+        </p:nvPicPr>
+        <p:blipFill rotWithShape="1">
+          <a:blip r:embed="rId7"/>
+          <a:srcRect l="5999" t="10253"/>
+          <a:stretch/>
+        </p:blipFill>
+        <p:spPr>
+          <a:xfrm>
+            <a:off x="248696" y="500719"/>
+            <a:ext cx="3549979" cy="2651284"/>
+          </a:xfrm>
+          <a:prstGeom prst="rect">
+            <a:avLst/>
+          </a:prstGeom>
+        </p:spPr>
+      </p:pic>
+    </p:spTree>
+    <p:extLst>
+      <p:ext uri="{BB962C8B-B14F-4D97-AF65-F5344CB8AC3E}">
+        <p14:creationId xmlns:p14="http://schemas.microsoft.com/office/powerpoint/2010/main" val="1851863117"/>
+      </p:ext>
+    </p:extLst>
+  </p:cSld>
+  <p:clrMapOvr>
+    <a:masterClrMapping/>
+  </p:clrMapOvr>
+</p:sld>
+</file>
+
+<file path=ppt/slides/slide4.xml><?xml version="1.0" encoding="utf-8"?>
+<p:sld xmlns:a="http://schemas.openxmlformats.org/drawingml/2006/main" xmlns:r="http://schemas.openxmlformats.org/officeDocument/2006/relationships" xmlns:p="http://schemas.openxmlformats.org/presentationml/2006/main">
+  <p:cSld>
+    <p:spTree>
+      <p:nvGrpSpPr>
+        <p:cNvPr id="1" name=""/>
+        <p:cNvGrpSpPr/>
+        <p:nvPr/>
+      </p:nvGrpSpPr>
+      <p:grpSpPr>
+        <a:xfrm>
+          <a:off x="0" y="0"/>
+          <a:ext cx="0" cy="0"/>
+          <a:chOff x="0" y="0"/>
+          <a:chExt cx="0" cy="0"/>
+        </a:xfrm>
+      </p:grpSpPr>
+    </p:spTree>
+    <p:extLst>
+      <p:ext uri="{BB962C8B-B14F-4D97-AF65-F5344CB8AC3E}">
+        <p14:creationId xmlns:p14="http://schemas.microsoft.com/office/powerpoint/2010/main" val="3097296278"/>
       </p:ext>
     </p:extLst>
   </p:cSld>
